--- a/자료/Final/Final Exam rehersal.pptx
+++ b/자료/Final/Final Exam rehersal.pptx
@@ -8606,10 +8606,10 @@
                     <p:embed/>
                     <p:pic>
                       <p:nvPicPr>
-                        <p:cNvPr id="13339" name="Object 1152">
+                        <p:cNvPr id="4099" name="Object 1152">
                           <a:extLst>
                             <a:ext uri="{FF2B5EF4-FFF2-40B4-BE49-F238E27FC236}">
-                              <a16:creationId xmlns:a16="http://schemas.microsoft.com/office/drawing/2014/main" id="{6409B6CD-73BB-49C7-9594-543A2C2A324C}"/>
+                              <a16:creationId xmlns:a16="http://schemas.microsoft.com/office/drawing/2014/main" id="{9C0519D8-7FAB-7DB4-76CD-475B147BD79E}"/>
                             </a:ext>
                           </a:extLst>
                         </p:cNvPr>
@@ -8711,10 +8711,10 @@
                     <p:embed/>
                     <p:pic>
                       <p:nvPicPr>
-                        <p:cNvPr id="13340" name="Object 1153">
+                        <p:cNvPr id="4100" name="Object 1153">
                           <a:extLst>
                             <a:ext uri="{FF2B5EF4-FFF2-40B4-BE49-F238E27FC236}">
-                              <a16:creationId xmlns:a16="http://schemas.microsoft.com/office/drawing/2014/main" id="{2FEBB344-CDF6-448C-B9E9-B3A6CFA4A3D3}"/>
+                              <a16:creationId xmlns:a16="http://schemas.microsoft.com/office/drawing/2014/main" id="{0D1A56A5-E0FD-A378-33BD-0DA6FA7D6156}"/>
                             </a:ext>
                           </a:extLst>
                         </p:cNvPr>
@@ -8816,10 +8816,10 @@
                     <p:embed/>
                     <p:pic>
                       <p:nvPicPr>
-                        <p:cNvPr id="13341" name="Object 1154">
+                        <p:cNvPr id="4101" name="Object 1154">
                           <a:extLst>
                             <a:ext uri="{FF2B5EF4-FFF2-40B4-BE49-F238E27FC236}">
-                              <a16:creationId xmlns:a16="http://schemas.microsoft.com/office/drawing/2014/main" id="{550C58ED-5953-41AF-99B9-1136E51AF84A}"/>
+                              <a16:creationId xmlns:a16="http://schemas.microsoft.com/office/drawing/2014/main" id="{8D79E6C1-59F2-4F69-3F41-C1576C7811E7}"/>
                             </a:ext>
                           </a:extLst>
                         </p:cNvPr>
@@ -8921,10 +8921,10 @@
                     <p:embed/>
                     <p:pic>
                       <p:nvPicPr>
-                        <p:cNvPr id="13342" name="Object 1161">
+                        <p:cNvPr id="4102" name="Object 1161">
                           <a:extLst>
                             <a:ext uri="{FF2B5EF4-FFF2-40B4-BE49-F238E27FC236}">
-                              <a16:creationId xmlns:a16="http://schemas.microsoft.com/office/drawing/2014/main" id="{32FEB1ED-7883-48BD-BC63-E2BC279AA11F}"/>
+                              <a16:creationId xmlns:a16="http://schemas.microsoft.com/office/drawing/2014/main" id="{8ED037EB-8C59-F209-5204-0CCBA9579FAB}"/>
                             </a:ext>
                           </a:extLst>
                         </p:cNvPr>
@@ -9026,10 +9026,10 @@
                     <p:embed/>
                     <p:pic>
                       <p:nvPicPr>
-                        <p:cNvPr id="13343" name="Object 1163">
+                        <p:cNvPr id="4103" name="Object 1163">
                           <a:extLst>
                             <a:ext uri="{FF2B5EF4-FFF2-40B4-BE49-F238E27FC236}">
-                              <a16:creationId xmlns:a16="http://schemas.microsoft.com/office/drawing/2014/main" id="{4C7A6CA6-93C5-411E-9669-19B9F19BC384}"/>
+                              <a16:creationId xmlns:a16="http://schemas.microsoft.com/office/drawing/2014/main" id="{B55BC378-AD0D-E388-D631-6BE10C4E408F}"/>
                             </a:ext>
                           </a:extLst>
                         </p:cNvPr>
@@ -9131,10 +9131,10 @@
                     <p:embed/>
                     <p:pic>
                       <p:nvPicPr>
-                        <p:cNvPr id="13344" name="Object 1164">
+                        <p:cNvPr id="4104" name="Object 1164">
                           <a:extLst>
                             <a:ext uri="{FF2B5EF4-FFF2-40B4-BE49-F238E27FC236}">
-                              <a16:creationId xmlns:a16="http://schemas.microsoft.com/office/drawing/2014/main" id="{4BC881F7-C19C-47DC-8E69-BA2228EC06D2}"/>
+                              <a16:creationId xmlns:a16="http://schemas.microsoft.com/office/drawing/2014/main" id="{47ACD10A-2A25-E563-3198-5796AF7D047C}"/>
                             </a:ext>
                           </a:extLst>
                         </p:cNvPr>
@@ -9236,10 +9236,10 @@
                     <p:embed/>
                     <p:pic>
                       <p:nvPicPr>
-                        <p:cNvPr id="13345" name="Object 1165">
+                        <p:cNvPr id="4105" name="Object 1165">
                           <a:extLst>
                             <a:ext uri="{FF2B5EF4-FFF2-40B4-BE49-F238E27FC236}">
-                              <a16:creationId xmlns:a16="http://schemas.microsoft.com/office/drawing/2014/main" id="{08F032B1-F713-4B1F-9864-24C7B7318DA5}"/>
+                              <a16:creationId xmlns:a16="http://schemas.microsoft.com/office/drawing/2014/main" id="{6DCB2771-C56A-9FFF-952A-2DACC1C59B94}"/>
                             </a:ext>
                           </a:extLst>
                         </p:cNvPr>
@@ -9341,10 +9341,10 @@
                     <p:embed/>
                     <p:pic>
                       <p:nvPicPr>
-                        <p:cNvPr id="13346" name="Object 1166">
+                        <p:cNvPr id="4106" name="Object 1166">
                           <a:extLst>
                             <a:ext uri="{FF2B5EF4-FFF2-40B4-BE49-F238E27FC236}">
-                              <a16:creationId xmlns:a16="http://schemas.microsoft.com/office/drawing/2014/main" id="{125CD290-AC1F-4EAB-87F7-9A0961182332}"/>
+                              <a16:creationId xmlns:a16="http://schemas.microsoft.com/office/drawing/2014/main" id="{58DA5E4B-D227-DEAB-323F-C4B59E76E8A3}"/>
                             </a:ext>
                           </a:extLst>
                         </p:cNvPr>
@@ -9446,10 +9446,10 @@
                     <p:embed/>
                     <p:pic>
                       <p:nvPicPr>
-                        <p:cNvPr id="13347" name="Object 1167">
+                        <p:cNvPr id="4107" name="Object 1167">
                           <a:extLst>
                             <a:ext uri="{FF2B5EF4-FFF2-40B4-BE49-F238E27FC236}">
-                              <a16:creationId xmlns:a16="http://schemas.microsoft.com/office/drawing/2014/main" id="{B05CB58D-D041-4313-BF8A-492851D9D3ED}"/>
+                              <a16:creationId xmlns:a16="http://schemas.microsoft.com/office/drawing/2014/main" id="{9EB1050E-1747-B951-21AE-5342BE702D75}"/>
                             </a:ext>
                           </a:extLst>
                         </p:cNvPr>
@@ -9551,10 +9551,10 @@
                     <p:embed/>
                     <p:pic>
                       <p:nvPicPr>
-                        <p:cNvPr id="13348" name="Object 1181">
+                        <p:cNvPr id="4108" name="Object 1181">
                           <a:extLst>
                             <a:ext uri="{FF2B5EF4-FFF2-40B4-BE49-F238E27FC236}">
-                              <a16:creationId xmlns:a16="http://schemas.microsoft.com/office/drawing/2014/main" id="{104EF3C3-CA31-4056-8E54-5BE2A36E9F3F}"/>
+                              <a16:creationId xmlns:a16="http://schemas.microsoft.com/office/drawing/2014/main" id="{BC294389-3B1A-D803-B2D4-31B06CDCAA49}"/>
                             </a:ext>
                           </a:extLst>
                         </p:cNvPr>
@@ -11788,10 +11788,10 @@
                     <p:embed/>
                     <p:pic>
                       <p:nvPicPr>
-                        <p:cNvPr id="13373" name="Object 1227">
+                        <p:cNvPr id="4133" name="Object 1227">
                           <a:extLst>
                             <a:ext uri="{FF2B5EF4-FFF2-40B4-BE49-F238E27FC236}">
-                              <a16:creationId xmlns:a16="http://schemas.microsoft.com/office/drawing/2014/main" id="{5FAB4630-6584-43C4-B7F7-924881646625}"/>
+                              <a16:creationId xmlns:a16="http://schemas.microsoft.com/office/drawing/2014/main" id="{5E2B2B9E-FB85-F209-4BC4-F46EA04D8BD5}"/>
                             </a:ext>
                           </a:extLst>
                         </p:cNvPr>
@@ -11893,10 +11893,10 @@
                     <p:embed/>
                     <p:pic>
                       <p:nvPicPr>
-                        <p:cNvPr id="13374" name="Object 1228">
+                        <p:cNvPr id="4134" name="Object 1228">
                           <a:extLst>
                             <a:ext uri="{FF2B5EF4-FFF2-40B4-BE49-F238E27FC236}">
-                              <a16:creationId xmlns:a16="http://schemas.microsoft.com/office/drawing/2014/main" id="{4E4487E2-D67E-4B5D-997C-543B3F711490}"/>
+                              <a16:creationId xmlns:a16="http://schemas.microsoft.com/office/drawing/2014/main" id="{B7ABC6C2-F373-2F3A-1228-1CF658135D22}"/>
                             </a:ext>
                           </a:extLst>
                         </p:cNvPr>
@@ -11998,10 +11998,10 @@
                     <p:embed/>
                     <p:pic>
                       <p:nvPicPr>
-                        <p:cNvPr id="13375" name="Object 1230">
+                        <p:cNvPr id="4135" name="Object 1230">
                           <a:extLst>
                             <a:ext uri="{FF2B5EF4-FFF2-40B4-BE49-F238E27FC236}">
-                              <a16:creationId xmlns:a16="http://schemas.microsoft.com/office/drawing/2014/main" id="{ACBCA26A-C593-4001-86F2-6CA35741B13B}"/>
+                              <a16:creationId xmlns:a16="http://schemas.microsoft.com/office/drawing/2014/main" id="{03AF59A8-CFE7-8051-B3A7-CCD6B26E30DD}"/>
                             </a:ext>
                           </a:extLst>
                         </p:cNvPr>
@@ -12103,10 +12103,10 @@
                     <p:embed/>
                     <p:pic>
                       <p:nvPicPr>
-                        <p:cNvPr id="13376" name="Object 1231">
+                        <p:cNvPr id="4136" name="Object 1231">
                           <a:extLst>
                             <a:ext uri="{FF2B5EF4-FFF2-40B4-BE49-F238E27FC236}">
-                              <a16:creationId xmlns:a16="http://schemas.microsoft.com/office/drawing/2014/main" id="{56042987-54A0-4252-92C1-7B3D3251B189}"/>
+                              <a16:creationId xmlns:a16="http://schemas.microsoft.com/office/drawing/2014/main" id="{2F1F657F-1B75-C2A8-FAF8-D15A3C188915}"/>
                             </a:ext>
                           </a:extLst>
                         </p:cNvPr>
@@ -12208,10 +12208,10 @@
                     <p:embed/>
                     <p:pic>
                       <p:nvPicPr>
-                        <p:cNvPr id="13377" name="Object 1235">
+                        <p:cNvPr id="4137" name="Object 1235">
                           <a:extLst>
                             <a:ext uri="{FF2B5EF4-FFF2-40B4-BE49-F238E27FC236}">
-                              <a16:creationId xmlns:a16="http://schemas.microsoft.com/office/drawing/2014/main" id="{7CB3EA40-58AC-43C9-BD3A-C36060DF4BD8}"/>
+                              <a16:creationId xmlns:a16="http://schemas.microsoft.com/office/drawing/2014/main" id="{1F3770AC-C2BB-5696-9634-9237E93E4A60}"/>
                             </a:ext>
                           </a:extLst>
                         </p:cNvPr>
@@ -12313,10 +12313,10 @@
                     <p:embed/>
                     <p:pic>
                       <p:nvPicPr>
-                        <p:cNvPr id="13378" name="Object 1237">
+                        <p:cNvPr id="4138" name="Object 1237">
                           <a:extLst>
                             <a:ext uri="{FF2B5EF4-FFF2-40B4-BE49-F238E27FC236}">
-                              <a16:creationId xmlns:a16="http://schemas.microsoft.com/office/drawing/2014/main" id="{DDC4FDEE-7467-4F7D-A450-AE54AADEF1B0}"/>
+                              <a16:creationId xmlns:a16="http://schemas.microsoft.com/office/drawing/2014/main" id="{9694D0DF-D8D0-F899-0962-B0F1B65EF47B}"/>
                             </a:ext>
                           </a:extLst>
                         </p:cNvPr>
@@ -12418,10 +12418,10 @@
                     <p:embed/>
                     <p:pic>
                       <p:nvPicPr>
-                        <p:cNvPr id="13379" name="Object 1238">
+                        <p:cNvPr id="4139" name="Object 1238">
                           <a:extLst>
                             <a:ext uri="{FF2B5EF4-FFF2-40B4-BE49-F238E27FC236}">
-                              <a16:creationId xmlns:a16="http://schemas.microsoft.com/office/drawing/2014/main" id="{683632A8-D496-4C6A-B9BF-071CB8FB8233}"/>
+                              <a16:creationId xmlns:a16="http://schemas.microsoft.com/office/drawing/2014/main" id="{191B8A56-51EA-F10E-393C-30F0385485F9}"/>
                             </a:ext>
                           </a:extLst>
                         </p:cNvPr>
@@ -12523,10 +12523,10 @@
                     <p:embed/>
                     <p:pic>
                       <p:nvPicPr>
-                        <p:cNvPr id="13380" name="Object 1239">
+                        <p:cNvPr id="4140" name="Object 1239">
                           <a:extLst>
                             <a:ext uri="{FF2B5EF4-FFF2-40B4-BE49-F238E27FC236}">
-                              <a16:creationId xmlns:a16="http://schemas.microsoft.com/office/drawing/2014/main" id="{75D95FA5-B5DF-4227-87C3-42C1CAED3822}"/>
+                              <a16:creationId xmlns:a16="http://schemas.microsoft.com/office/drawing/2014/main" id="{FD06A807-735E-4EF5-7211-B7620EC6272A}"/>
                             </a:ext>
                           </a:extLst>
                         </p:cNvPr>
@@ -12628,10 +12628,10 @@
                     <p:embed/>
                     <p:pic>
                       <p:nvPicPr>
-                        <p:cNvPr id="13381" name="Object 1241">
+                        <p:cNvPr id="4141" name="Object 1241">
                           <a:extLst>
                             <a:ext uri="{FF2B5EF4-FFF2-40B4-BE49-F238E27FC236}">
-                              <a16:creationId xmlns:a16="http://schemas.microsoft.com/office/drawing/2014/main" id="{BCD1EB2C-09EB-4F43-B38D-D3F4DC5A727E}"/>
+                              <a16:creationId xmlns:a16="http://schemas.microsoft.com/office/drawing/2014/main" id="{B1D9C645-4071-0AAA-F036-1FDBC3EFA841}"/>
                             </a:ext>
                           </a:extLst>
                         </p:cNvPr>
@@ -12733,10 +12733,10 @@
                     <p:embed/>
                     <p:pic>
                       <p:nvPicPr>
-                        <p:cNvPr id="13382" name="Object 1244">
+                        <p:cNvPr id="4142" name="Object 1244">
                           <a:extLst>
                             <a:ext uri="{FF2B5EF4-FFF2-40B4-BE49-F238E27FC236}">
-                              <a16:creationId xmlns:a16="http://schemas.microsoft.com/office/drawing/2014/main" id="{94117B3C-DADC-42B5-B43E-93DBC6F680CB}"/>
+                              <a16:creationId xmlns:a16="http://schemas.microsoft.com/office/drawing/2014/main" id="{89F20AB8-422B-C08A-B3E0-6C13489D417D}"/>
                             </a:ext>
                           </a:extLst>
                         </p:cNvPr>
@@ -12838,10 +12838,10 @@
                     <p:embed/>
                     <p:pic>
                       <p:nvPicPr>
-                        <p:cNvPr id="13383" name="Object 1245">
+                        <p:cNvPr id="4143" name="Object 1245">
                           <a:extLst>
                             <a:ext uri="{FF2B5EF4-FFF2-40B4-BE49-F238E27FC236}">
-                              <a16:creationId xmlns:a16="http://schemas.microsoft.com/office/drawing/2014/main" id="{C0A8156E-2652-4834-B6A6-96ECB2E2C83C}"/>
+                              <a16:creationId xmlns:a16="http://schemas.microsoft.com/office/drawing/2014/main" id="{EC1154B9-C165-24BC-2DFA-2EE9B50956B8}"/>
                             </a:ext>
                           </a:extLst>
                         </p:cNvPr>
@@ -12943,10 +12943,10 @@
                     <p:embed/>
                     <p:pic>
                       <p:nvPicPr>
-                        <p:cNvPr id="13384" name="Object 1246">
+                        <p:cNvPr id="4144" name="Object 1246">
                           <a:extLst>
                             <a:ext uri="{FF2B5EF4-FFF2-40B4-BE49-F238E27FC236}">
-                              <a16:creationId xmlns:a16="http://schemas.microsoft.com/office/drawing/2014/main" id="{04C04D1B-FC83-4F0E-9762-90F4FEF09BC7}"/>
+                              <a16:creationId xmlns:a16="http://schemas.microsoft.com/office/drawing/2014/main" id="{438C1455-9D8A-199E-D035-B76821B3FB61}"/>
                             </a:ext>
                           </a:extLst>
                         </p:cNvPr>
@@ -13048,10 +13048,10 @@
                     <p:embed/>
                     <p:pic>
                       <p:nvPicPr>
-                        <p:cNvPr id="13385" name="Object 1247">
+                        <p:cNvPr id="4145" name="Object 1247">
                           <a:extLst>
                             <a:ext uri="{FF2B5EF4-FFF2-40B4-BE49-F238E27FC236}">
-                              <a16:creationId xmlns:a16="http://schemas.microsoft.com/office/drawing/2014/main" id="{BD75D647-0DC2-45AB-8121-61E9F0A83F56}"/>
+                              <a16:creationId xmlns:a16="http://schemas.microsoft.com/office/drawing/2014/main" id="{4809062E-2ADE-8DC4-F9C5-80E836F5362B}"/>
                             </a:ext>
                           </a:extLst>
                         </p:cNvPr>
@@ -13153,10 +13153,10 @@
                     <p:embed/>
                     <p:pic>
                       <p:nvPicPr>
-                        <p:cNvPr id="13386" name="Object 1248">
+                        <p:cNvPr id="4146" name="Object 1248">
                           <a:extLst>
                             <a:ext uri="{FF2B5EF4-FFF2-40B4-BE49-F238E27FC236}">
-                              <a16:creationId xmlns:a16="http://schemas.microsoft.com/office/drawing/2014/main" id="{69B11B2E-913E-44FF-A460-8EBE867791E9}"/>
+                              <a16:creationId xmlns:a16="http://schemas.microsoft.com/office/drawing/2014/main" id="{94BD42C0-7BDA-26E9-5467-451A9254077F}"/>
                             </a:ext>
                           </a:extLst>
                         </p:cNvPr>
@@ -13258,10 +13258,10 @@
                     <p:embed/>
                     <p:pic>
                       <p:nvPicPr>
-                        <p:cNvPr id="13387" name="Object 1249">
+                        <p:cNvPr id="4147" name="Object 1249">
                           <a:extLst>
                             <a:ext uri="{FF2B5EF4-FFF2-40B4-BE49-F238E27FC236}">
-                              <a16:creationId xmlns:a16="http://schemas.microsoft.com/office/drawing/2014/main" id="{83AC805D-4BE1-4470-980F-1BF735810346}"/>
+                              <a16:creationId xmlns:a16="http://schemas.microsoft.com/office/drawing/2014/main" id="{4A7180F0-6716-2435-FF76-1D0F8C929724}"/>
                             </a:ext>
                           </a:extLst>
                         </p:cNvPr>
@@ -13363,10 +13363,10 @@
                     <p:embed/>
                     <p:pic>
                       <p:nvPicPr>
-                        <p:cNvPr id="13388" name="Object 1250">
+                        <p:cNvPr id="4148" name="Object 1250">
                           <a:extLst>
                             <a:ext uri="{FF2B5EF4-FFF2-40B4-BE49-F238E27FC236}">
-                              <a16:creationId xmlns:a16="http://schemas.microsoft.com/office/drawing/2014/main" id="{B0EADFD1-732A-47E0-A6C6-9A8273DBBB8F}"/>
+                              <a16:creationId xmlns:a16="http://schemas.microsoft.com/office/drawing/2014/main" id="{0FED3C7F-7129-7395-3C43-695830FBC40B}"/>
                             </a:ext>
                           </a:extLst>
                         </p:cNvPr>
@@ -13468,10 +13468,10 @@
                     <p:embed/>
                     <p:pic>
                       <p:nvPicPr>
-                        <p:cNvPr id="13389" name="Object 1251">
+                        <p:cNvPr id="4149" name="Object 1251">
                           <a:extLst>
                             <a:ext uri="{FF2B5EF4-FFF2-40B4-BE49-F238E27FC236}">
-                              <a16:creationId xmlns:a16="http://schemas.microsoft.com/office/drawing/2014/main" id="{32A2629A-87C5-456B-A81D-C80C6B1BDC5F}"/>
+                              <a16:creationId xmlns:a16="http://schemas.microsoft.com/office/drawing/2014/main" id="{A811F2DD-04EC-8B2B-A869-55255917291F}"/>
                             </a:ext>
                           </a:extLst>
                         </p:cNvPr>
@@ -13573,10 +13573,10 @@
                     <p:embed/>
                     <p:pic>
                       <p:nvPicPr>
-                        <p:cNvPr id="13390" name="Object 1252">
+                        <p:cNvPr id="4150" name="Object 1252">
                           <a:extLst>
                             <a:ext uri="{FF2B5EF4-FFF2-40B4-BE49-F238E27FC236}">
-                              <a16:creationId xmlns:a16="http://schemas.microsoft.com/office/drawing/2014/main" id="{09536BDC-5207-497C-87C2-C901EDF5C173}"/>
+                              <a16:creationId xmlns:a16="http://schemas.microsoft.com/office/drawing/2014/main" id="{3695C067-49C3-25B0-A6BC-2A62C1F45D35}"/>
                             </a:ext>
                           </a:extLst>
                         </p:cNvPr>
@@ -13678,10 +13678,10 @@
                     <p:embed/>
                     <p:pic>
                       <p:nvPicPr>
-                        <p:cNvPr id="13391" name="Object 1253">
+                        <p:cNvPr id="4151" name="Object 1253">
                           <a:extLst>
                             <a:ext uri="{FF2B5EF4-FFF2-40B4-BE49-F238E27FC236}">
-                              <a16:creationId xmlns:a16="http://schemas.microsoft.com/office/drawing/2014/main" id="{E5AE13FD-C05B-48CB-8B57-8D5CD5C4D19B}"/>
+                              <a16:creationId xmlns:a16="http://schemas.microsoft.com/office/drawing/2014/main" id="{565870EE-9918-6136-009E-560547E7F4F5}"/>
                             </a:ext>
                           </a:extLst>
                         </p:cNvPr>
@@ -13783,10 +13783,10 @@
                     <p:embed/>
                     <p:pic>
                       <p:nvPicPr>
-                        <p:cNvPr id="13392" name="Object 1254">
+                        <p:cNvPr id="4152" name="Object 1254">
                           <a:extLst>
                             <a:ext uri="{FF2B5EF4-FFF2-40B4-BE49-F238E27FC236}">
-                              <a16:creationId xmlns:a16="http://schemas.microsoft.com/office/drawing/2014/main" id="{66276465-3E2A-444F-A438-4C72C32A6E01}"/>
+                              <a16:creationId xmlns:a16="http://schemas.microsoft.com/office/drawing/2014/main" id="{372A9A6E-7CEE-DEA3-EEC5-D1A29CD18E0C}"/>
                             </a:ext>
                           </a:extLst>
                         </p:cNvPr>
